--- a/static/uploads/slides/ppt/Impact Ripple Canvas.pptx
+++ b/static/uploads/slides/ppt/Impact Ripple Canvas.pptx
@@ -2185,7 +2185,7 @@
           </a:ln>
           <a:extLst>
             <a:ext uri="{C572A759-6A51-4108-AA02-DFA0A04FC94B}">
-              <ma14:wrappingTextBoxFlag xmlns:ma14="http://schemas.microsoft.com/office/mac/drawingml/2011/main" xmlns="" val="1"/>
+              <ma14:wrappingTextBoxFlag xmlns="" xmlns:ma14="http://schemas.microsoft.com/office/mac/drawingml/2011/main" val="1"/>
             </a:ext>
           </a:extLst>
         </p:spPr>
@@ -2224,7 +2224,7 @@
           </a:ln>
           <a:extLst>
             <a:ext uri="{C572A759-6A51-4108-AA02-DFA0A04FC94B}">
-              <ma14:wrappingTextBoxFlag xmlns:ma14="http://schemas.microsoft.com/office/mac/drawingml/2011/main" xmlns="" val="1"/>
+              <ma14:wrappingTextBoxFlag xmlns="" xmlns:ma14="http://schemas.microsoft.com/office/mac/drawingml/2011/main" val="1"/>
             </a:ext>
           </a:extLst>
         </p:spPr>
@@ -3187,9 +3187,9 @@
         <p:grpSpPr>
           <a:xfrm>
             <a:off x="-35450" y="-122861"/>
-            <a:ext cx="24454900" cy="13387787"/>
+            <a:ext cx="24454900" cy="13233899"/>
             <a:chOff x="-35450" y="-122861"/>
-            <a:chExt cx="24454900" cy="13387787"/>
+            <a:chExt cx="24454900" cy="13233899"/>
           </a:xfrm>
         </p:grpSpPr>
         <p:sp>
@@ -3211,7 +3211,7 @@
             </a:ln>
             <a:extLst>
               <a:ext uri="{C572A759-6A51-4108-AA02-DFA0A04FC94B}">
-                <ma14:wrappingTextBoxFlag xmlns:ma14="http://schemas.microsoft.com/office/mac/drawingml/2011/main" xmlns="" val="1"/>
+                <ma14:wrappingTextBoxFlag xmlns="" xmlns:ma14="http://schemas.microsoft.com/office/mac/drawingml/2011/main" val="1"/>
               </a:ext>
             </a:extLst>
           </p:spPr>
@@ -3339,8 +3339,8 @@
           </p:nvSpPr>
           <p:spPr>
             <a:xfrm>
-              <a:off x="16436319" y="12505104"/>
-              <a:ext cx="7428315" cy="759822"/>
+              <a:off x="12192001" y="12658992"/>
+              <a:ext cx="11672634" cy="452046"/>
             </a:xfrm>
             <a:prstGeom prst="rect">
               <a:avLst/>
@@ -3350,12 +3350,12 @@
             </a:ln>
             <a:extLst>
               <a:ext uri="{C572A759-6A51-4108-AA02-DFA0A04FC94B}">
-                <ma14:wrappingTextBoxFlag xmlns:ma14="http://schemas.microsoft.com/office/mac/drawingml/2011/main" xmlns="" val="1"/>
+                <ma14:wrappingTextBoxFlag xmlns="" xmlns:ma14="http://schemas.microsoft.com/office/mac/drawingml/2011/main" val="1"/>
               </a:ext>
             </a:extLst>
           </p:spPr>
           <p:txBody>
-            <a:bodyPr wrap="none" lIns="71437" tIns="71437" rIns="71437" bIns="71437" anchor="ctr">
+            <a:bodyPr wrap="square" lIns="71437" tIns="71437" rIns="71437" bIns="71437" anchor="ctr">
               <a:spAutoFit/>
             </a:bodyPr>
             <a:lstStyle/>
@@ -3381,24 +3381,7 @@
               </a:r>
               <a:r>
                 <a:rPr lang="en-AU" dirty="0"/>
-                <a:t>/</a:t>
-              </a:r>
-            </a:p>
-            <a:p>
-              <a:pPr algn="r">
-                <a:defRPr sz="2000" b="0">
-                  <a:solidFill>
-                    <a:srgbClr val="919191"/>
-                  </a:solidFill>
-                  <a:latin typeface="Montserrat Medium"/>
-                  <a:ea typeface="Montserrat Medium"/>
-                  <a:cs typeface="Montserrat Medium"/>
-                  <a:sym typeface="Montserrat Medium"/>
-                </a:defRPr>
-              </a:pPr>
-              <a:r>
-                <a:rPr lang="en-AU" dirty="0"/>
-                <a:t>photos/hh7UrZGZAF8</a:t>
+                <a:t>/photos/hh7UrZGZAF8c</a:t>
               </a:r>
             </a:p>
           </p:txBody>
@@ -3536,7 +3519,7 @@
             </a:ln>
             <a:extLst>
               <a:ext uri="{C572A759-6A51-4108-AA02-DFA0A04FC94B}">
-                <ma14:wrappingTextBoxFlag xmlns:ma14="http://schemas.microsoft.com/office/mac/drawingml/2011/main" xmlns="" val="1"/>
+                <ma14:wrappingTextBoxFlag xmlns="" xmlns:ma14="http://schemas.microsoft.com/office/mac/drawingml/2011/main" val="1"/>
               </a:ext>
             </a:extLst>
           </p:spPr>
@@ -3587,7 +3570,7 @@
             </a:ln>
             <a:extLst>
               <a:ext uri="{C572A759-6A51-4108-AA02-DFA0A04FC94B}">
-                <ma14:wrappingTextBoxFlag xmlns:ma14="http://schemas.microsoft.com/office/mac/drawingml/2011/main" xmlns="" val="1"/>
+                <ma14:wrappingTextBoxFlag xmlns="" xmlns:ma14="http://schemas.microsoft.com/office/mac/drawingml/2011/main" val="1"/>
               </a:ext>
             </a:extLst>
           </p:spPr>
@@ -3766,7 +3749,7 @@
             </a:ln>
             <a:extLst>
               <a:ext uri="{C572A759-6A51-4108-AA02-DFA0A04FC94B}">
-                <ma14:wrappingTextBoxFlag xmlns:ma14="http://schemas.microsoft.com/office/mac/drawingml/2011/main" xmlns="" val="1"/>
+                <ma14:wrappingTextBoxFlag xmlns="" xmlns:ma14="http://schemas.microsoft.com/office/mac/drawingml/2011/main" val="1"/>
               </a:ext>
             </a:extLst>
           </p:spPr>
@@ -3960,7 +3943,7 @@
             </a:ln>
             <a:extLst>
               <a:ext uri="{C572A759-6A51-4108-AA02-DFA0A04FC94B}">
-                <ma14:wrappingTextBoxFlag xmlns:ma14="http://schemas.microsoft.com/office/mac/drawingml/2011/main" xmlns="" val="1"/>
+                <ma14:wrappingTextBoxFlag xmlns="" xmlns:ma14="http://schemas.microsoft.com/office/mac/drawingml/2011/main" val="1"/>
               </a:ext>
             </a:extLst>
           </p:spPr>
@@ -4055,7 +4038,7 @@
             </a:ln>
             <a:extLst>
               <a:ext uri="{C572A759-6A51-4108-AA02-DFA0A04FC94B}">
-                <ma14:wrappingTextBoxFlag xmlns:ma14="http://schemas.microsoft.com/office/mac/drawingml/2011/main" xmlns="" val="1"/>
+                <ma14:wrappingTextBoxFlag xmlns="" xmlns:ma14="http://schemas.microsoft.com/office/mac/drawingml/2011/main" val="1"/>
               </a:ext>
             </a:extLst>
           </p:spPr>
@@ -4146,7 +4129,7 @@
             </a:ln>
             <a:extLst>
               <a:ext uri="{C572A759-6A51-4108-AA02-DFA0A04FC94B}">
-                <ma14:wrappingTextBoxFlag xmlns:ma14="http://schemas.microsoft.com/office/mac/drawingml/2011/main" xmlns="" val="1"/>
+                <ma14:wrappingTextBoxFlag xmlns="" xmlns:ma14="http://schemas.microsoft.com/office/mac/drawingml/2011/main" val="1"/>
               </a:ext>
             </a:extLst>
           </p:spPr>
@@ -4325,7 +4308,7 @@
             </a:ln>
             <a:extLst>
               <a:ext uri="{C572A759-6A51-4108-AA02-DFA0A04FC94B}">
-                <ma14:wrappingTextBoxFlag xmlns:ma14="http://schemas.microsoft.com/office/mac/drawingml/2011/main" xmlns="" val="1"/>
+                <ma14:wrappingTextBoxFlag xmlns="" xmlns:ma14="http://schemas.microsoft.com/office/mac/drawingml/2011/main" val="1"/>
               </a:ext>
             </a:extLst>
           </p:spPr>
@@ -4541,7 +4524,7 @@
             </a:ln>
             <a:extLst>
               <a:ext uri="{C572A759-6A51-4108-AA02-DFA0A04FC94B}">
-                <ma14:wrappingTextBoxFlag xmlns:ma14="http://schemas.microsoft.com/office/mac/drawingml/2011/main" xmlns="" val="1"/>
+                <ma14:wrappingTextBoxFlag xmlns="" xmlns:ma14="http://schemas.microsoft.com/office/mac/drawingml/2011/main" val="1"/>
               </a:ext>
             </a:extLst>
           </p:spPr>
@@ -4589,7 +4572,7 @@
             </a:ln>
             <a:extLst>
               <a:ext uri="{C572A759-6A51-4108-AA02-DFA0A04FC94B}">
-                <ma14:wrappingTextBoxFlag xmlns:ma14="http://schemas.microsoft.com/office/mac/drawingml/2011/main" xmlns="" val="1"/>
+                <ma14:wrappingTextBoxFlag xmlns="" xmlns:ma14="http://schemas.microsoft.com/office/mac/drawingml/2011/main" val="1"/>
               </a:ext>
             </a:extLst>
           </p:spPr>
@@ -4644,7 +4627,7 @@
           </a:ln>
           <a:extLst>
             <a:ext uri="{C572A759-6A51-4108-AA02-DFA0A04FC94B}">
-              <ma14:wrappingTextBoxFlag xmlns:ma14="http://schemas.microsoft.com/office/mac/drawingml/2011/main" xmlns="" val="1"/>
+              <ma14:wrappingTextBoxFlag xmlns="" xmlns:ma14="http://schemas.microsoft.com/office/mac/drawingml/2011/main" val="1"/>
             </a:ext>
           </a:extLst>
         </p:spPr>
@@ -4755,7 +4738,7 @@
           </a:ln>
           <a:extLst>
             <a:ext uri="{C572A759-6A51-4108-AA02-DFA0A04FC94B}">
-              <ma14:wrappingTextBoxFlag xmlns:ma14="http://schemas.microsoft.com/office/mac/drawingml/2011/main" xmlns="" val="1"/>
+              <ma14:wrappingTextBoxFlag xmlns="" xmlns:ma14="http://schemas.microsoft.com/office/mac/drawingml/2011/main" val="1"/>
             </a:ext>
           </a:extLst>
         </p:spPr>
@@ -4802,7 +4785,7 @@
           </a:ln>
           <a:extLst>
             <a:ext uri="{C572A759-6A51-4108-AA02-DFA0A04FC94B}">
-              <ma14:wrappingTextBoxFlag xmlns:ma14="http://schemas.microsoft.com/office/mac/drawingml/2011/main" xmlns="" val="1"/>
+              <ma14:wrappingTextBoxFlag xmlns="" xmlns:ma14="http://schemas.microsoft.com/office/mac/drawingml/2011/main" val="1"/>
             </a:ext>
           </a:extLst>
         </p:spPr>
@@ -4858,7 +4841,7 @@
           </a:ln>
           <a:extLst>
             <a:ext uri="{C572A759-6A51-4108-AA02-DFA0A04FC94B}">
-              <ma14:wrappingTextBoxFlag xmlns:ma14="http://schemas.microsoft.com/office/mac/drawingml/2011/main" xmlns="" val="1"/>
+              <ma14:wrappingTextBoxFlag xmlns="" xmlns:ma14="http://schemas.microsoft.com/office/mac/drawingml/2011/main" val="1"/>
             </a:ext>
           </a:extLst>
         </p:spPr>
@@ -4991,7 +4974,7 @@
           </a:ln>
           <a:extLst>
             <a:ext uri="{C572A759-6A51-4108-AA02-DFA0A04FC94B}">
-              <ma14:wrappingTextBoxFlag xmlns:ma14="http://schemas.microsoft.com/office/mac/drawingml/2011/main" xmlns="" val="1"/>
+              <ma14:wrappingTextBoxFlag xmlns="" xmlns:ma14="http://schemas.microsoft.com/office/mac/drawingml/2011/main" val="1"/>
             </a:ext>
           </a:extLst>
         </p:spPr>
@@ -5036,7 +5019,7 @@
           </a:ln>
           <a:extLst>
             <a:ext uri="{C572A759-6A51-4108-AA02-DFA0A04FC94B}">
-              <ma14:wrappingTextBoxFlag xmlns:ma14="http://schemas.microsoft.com/office/mac/drawingml/2011/main" xmlns="" val="1"/>
+              <ma14:wrappingTextBoxFlag xmlns="" xmlns:ma14="http://schemas.microsoft.com/office/mac/drawingml/2011/main" val="1"/>
             </a:ext>
           </a:extLst>
         </p:spPr>
@@ -5100,7 +5083,7 @@
           </a:ln>
           <a:extLst>
             <a:ext uri="{C572A759-6A51-4108-AA02-DFA0A04FC94B}">
-              <ma14:wrappingTextBoxFlag xmlns:ma14="http://schemas.microsoft.com/office/mac/drawingml/2011/main" xmlns="" val="1"/>
+              <ma14:wrappingTextBoxFlag xmlns="" xmlns:ma14="http://schemas.microsoft.com/office/mac/drawingml/2011/main" val="1"/>
             </a:ext>
           </a:extLst>
         </p:spPr>
@@ -5156,7 +5139,7 @@
           </a:ln>
           <a:extLst>
             <a:ext uri="{C572A759-6A51-4108-AA02-DFA0A04FC94B}">
-              <ma14:wrappingTextBoxFlag xmlns:ma14="http://schemas.microsoft.com/office/mac/drawingml/2011/main" xmlns="" val="1"/>
+              <ma14:wrappingTextBoxFlag xmlns="" xmlns:ma14="http://schemas.microsoft.com/office/mac/drawingml/2011/main" val="1"/>
             </a:ext>
           </a:extLst>
         </p:spPr>
@@ -5414,7 +5397,7 @@
             </a:ln>
             <a:extLst>
               <a:ext uri="{C572A759-6A51-4108-AA02-DFA0A04FC94B}">
-                <ma14:wrappingTextBoxFlag xmlns:ma14="http://schemas.microsoft.com/office/mac/drawingml/2011/main" xmlns="" val="1"/>
+                <ma14:wrappingTextBoxFlag xmlns="" xmlns:ma14="http://schemas.microsoft.com/office/mac/drawingml/2011/main" val="1"/>
               </a:ext>
             </a:extLst>
           </p:spPr>
@@ -5469,7 +5452,7 @@
             </a:ln>
             <a:extLst>
               <a:ext uri="{C572A759-6A51-4108-AA02-DFA0A04FC94B}">
-                <ma14:wrappingTextBoxFlag xmlns:ma14="http://schemas.microsoft.com/office/mac/drawingml/2011/main" xmlns="" val="1"/>
+                <ma14:wrappingTextBoxFlag xmlns="" xmlns:ma14="http://schemas.microsoft.com/office/mac/drawingml/2011/main" val="1"/>
               </a:ext>
             </a:extLst>
           </p:spPr>
@@ -5625,7 +5608,7 @@
             </a:ln>
             <a:extLst>
               <a:ext uri="{C572A759-6A51-4108-AA02-DFA0A04FC94B}">
-                <ma14:wrappingTextBoxFlag xmlns:ma14="http://schemas.microsoft.com/office/mac/drawingml/2011/main" xmlns="" val="1"/>
+                <ma14:wrappingTextBoxFlag xmlns="" xmlns:ma14="http://schemas.microsoft.com/office/mac/drawingml/2011/main" val="1"/>
               </a:ext>
             </a:extLst>
           </p:spPr>
@@ -5762,7 +5745,7 @@
             </a:ln>
             <a:extLst>
               <a:ext uri="{C572A759-6A51-4108-AA02-DFA0A04FC94B}">
-                <ma14:wrappingTextBoxFlag xmlns:ma14="http://schemas.microsoft.com/office/mac/drawingml/2011/main" xmlns="" val="1"/>
+                <ma14:wrappingTextBoxFlag xmlns="" xmlns:ma14="http://schemas.microsoft.com/office/mac/drawingml/2011/main" val="1"/>
               </a:ext>
             </a:extLst>
           </p:spPr>
@@ -5810,7 +5793,7 @@
             </a:ln>
             <a:extLst>
               <a:ext uri="{C572A759-6A51-4108-AA02-DFA0A04FC94B}">
-                <ma14:wrappingTextBoxFlag xmlns:ma14="http://schemas.microsoft.com/office/mac/drawingml/2011/main" xmlns="" val="1"/>
+                <ma14:wrappingTextBoxFlag xmlns="" xmlns:ma14="http://schemas.microsoft.com/office/mac/drawingml/2011/main" val="1"/>
               </a:ext>
             </a:extLst>
           </p:spPr>
@@ -5858,7 +5841,7 @@
             </a:ln>
             <a:extLst>
               <a:ext uri="{C572A759-6A51-4108-AA02-DFA0A04FC94B}">
-                <ma14:wrappingTextBoxFlag xmlns:ma14="http://schemas.microsoft.com/office/mac/drawingml/2011/main" xmlns="" val="1"/>
+                <ma14:wrappingTextBoxFlag xmlns="" xmlns:ma14="http://schemas.microsoft.com/office/mac/drawingml/2011/main" val="1"/>
               </a:ext>
             </a:extLst>
           </p:spPr>
@@ -5906,7 +5889,7 @@
             </a:ln>
             <a:extLst>
               <a:ext uri="{C572A759-6A51-4108-AA02-DFA0A04FC94B}">
-                <ma14:wrappingTextBoxFlag xmlns:ma14="http://schemas.microsoft.com/office/mac/drawingml/2011/main" xmlns="" val="1"/>
+                <ma14:wrappingTextBoxFlag xmlns="" xmlns:ma14="http://schemas.microsoft.com/office/mac/drawingml/2011/main" val="1"/>
               </a:ext>
             </a:extLst>
           </p:spPr>
@@ -6065,7 +6048,7 @@
             </a:ln>
             <a:extLst>
               <a:ext uri="{C572A759-6A51-4108-AA02-DFA0A04FC94B}">
-                <ma14:wrappingTextBoxFlag xmlns:ma14="http://schemas.microsoft.com/office/mac/drawingml/2011/main" xmlns="" val="1"/>
+                <ma14:wrappingTextBoxFlag xmlns="" xmlns:ma14="http://schemas.microsoft.com/office/mac/drawingml/2011/main" val="1"/>
               </a:ext>
             </a:extLst>
           </p:spPr>
@@ -6233,7 +6216,7 @@
             </a:ln>
             <a:extLst>
               <a:ext uri="{C572A759-6A51-4108-AA02-DFA0A04FC94B}">
-                <ma14:wrappingTextBoxFlag xmlns:ma14="http://schemas.microsoft.com/office/mac/drawingml/2011/main" xmlns="" val="1"/>
+                <ma14:wrappingTextBoxFlag xmlns="" xmlns:ma14="http://schemas.microsoft.com/office/mac/drawingml/2011/main" val="1"/>
               </a:ext>
             </a:extLst>
           </p:spPr>
@@ -6287,7 +6270,7 @@
             </a:ln>
             <a:extLst>
               <a:ext uri="{C572A759-6A51-4108-AA02-DFA0A04FC94B}">
-                <ma14:wrappingTextBoxFlag xmlns:ma14="http://schemas.microsoft.com/office/mac/drawingml/2011/main" xmlns="" val="1"/>
+                <ma14:wrappingTextBoxFlag xmlns="" xmlns:ma14="http://schemas.microsoft.com/office/mac/drawingml/2011/main" val="1"/>
               </a:ext>
             </a:extLst>
           </p:spPr>
@@ -6335,7 +6318,7 @@
             </a:ln>
             <a:extLst>
               <a:ext uri="{C572A759-6A51-4108-AA02-DFA0A04FC94B}">
-                <ma14:wrappingTextBoxFlag xmlns:ma14="http://schemas.microsoft.com/office/mac/drawingml/2011/main" xmlns="" val="1"/>
+                <ma14:wrappingTextBoxFlag xmlns="" xmlns:ma14="http://schemas.microsoft.com/office/mac/drawingml/2011/main" val="1"/>
               </a:ext>
             </a:extLst>
           </p:spPr>
@@ -6364,10 +6347,10 @@
       </p:grpSp>
       <p:sp>
         <p:nvSpPr>
-          <p:cNvPr id="35" name="Shape 123">
+          <p:cNvPr id="34" name="Shape 123">
             <a:extLst>
               <a:ext uri="{FF2B5EF4-FFF2-40B4-BE49-F238E27FC236}">
-                <a16:creationId xmlns:a16="http://schemas.microsoft.com/office/drawing/2014/main" id="{C9914BE5-B2C8-4C4D-B4D3-0BD7804996F1}"/>
+                <a16:creationId xmlns:a16="http://schemas.microsoft.com/office/drawing/2014/main" id="{BF723E86-1AB6-CE4D-9BB6-D4F0B03B2187}"/>
               </a:ext>
             </a:extLst>
           </p:cNvPr>
@@ -6376,8 +6359,8 @@
         </p:nvSpPr>
         <p:spPr>
           <a:xfrm>
-            <a:off x="16436319" y="12505104"/>
-            <a:ext cx="7428315" cy="759822"/>
+            <a:off x="12192001" y="12658992"/>
+            <a:ext cx="11672634" cy="452046"/>
           </a:xfrm>
           <a:prstGeom prst="rect">
             <a:avLst/>
@@ -6387,12 +6370,12 @@
           </a:ln>
           <a:extLst>
             <a:ext uri="{C572A759-6A51-4108-AA02-DFA0A04FC94B}">
-              <ma14:wrappingTextBoxFlag xmlns:ma14="http://schemas.microsoft.com/office/mac/drawingml/2011/main" xmlns="" val="1"/>
+              <ma14:wrappingTextBoxFlag xmlns="" xmlns:ma14="http://schemas.microsoft.com/office/mac/drawingml/2011/main" val="1"/>
             </a:ext>
           </a:extLst>
         </p:spPr>
         <p:txBody>
-          <a:bodyPr wrap="none" lIns="71437" tIns="71437" rIns="71437" bIns="71437" anchor="ctr">
+          <a:bodyPr wrap="square" lIns="71437" tIns="71437" rIns="71437" bIns="71437" anchor="ctr">
             <a:spAutoFit/>
           </a:bodyPr>
           <a:lstStyle/>
@@ -6418,24 +6401,7 @@
             </a:r>
             <a:r>
               <a:rPr lang="en-AU" dirty="0"/>
-              <a:t>/</a:t>
-            </a:r>
-          </a:p>
-          <a:p>
-            <a:pPr algn="r">
-              <a:defRPr sz="2000" b="0">
-                <a:solidFill>
-                  <a:srgbClr val="919191"/>
-                </a:solidFill>
-                <a:latin typeface="Montserrat Medium"/>
-                <a:ea typeface="Montserrat Medium"/>
-                <a:cs typeface="Montserrat Medium"/>
-                <a:sym typeface="Montserrat Medium"/>
-              </a:defRPr>
-            </a:pPr>
-            <a:r>
-              <a:rPr lang="en-AU" dirty="0"/>
-              <a:t>photos/hh7UrZGZAF8</a:t>
+              <a:t>/photos/hh7UrZGZAF8c</a:t>
             </a:r>
           </a:p>
         </p:txBody>
@@ -6491,7 +6457,7 @@
           </a:ln>
           <a:extLst>
             <a:ext uri="{C572A759-6A51-4108-AA02-DFA0A04FC94B}">
-              <ma14:wrappingTextBoxFlag xmlns:ma14="http://schemas.microsoft.com/office/mac/drawingml/2011/main" xmlns="" val="1"/>
+              <ma14:wrappingTextBoxFlag xmlns="" xmlns:ma14="http://schemas.microsoft.com/office/mac/drawingml/2011/main" val="1"/>
             </a:ext>
           </a:extLst>
         </p:spPr>
@@ -6544,7 +6510,7 @@
           </a:ln>
           <a:extLst>
             <a:ext uri="{C572A759-6A51-4108-AA02-DFA0A04FC94B}">
-              <ma14:wrappingTextBoxFlag xmlns:ma14="http://schemas.microsoft.com/office/mac/drawingml/2011/main" xmlns="" val="1"/>
+              <ma14:wrappingTextBoxFlag xmlns="" xmlns:ma14="http://schemas.microsoft.com/office/mac/drawingml/2011/main" val="1"/>
             </a:ext>
           </a:extLst>
         </p:spPr>
@@ -6606,7 +6572,7 @@
           </a:ln>
           <a:extLst>
             <a:ext uri="{C572A759-6A51-4108-AA02-DFA0A04FC94B}">
-              <ma14:wrappingTextBoxFlag xmlns:ma14="http://schemas.microsoft.com/office/mac/drawingml/2011/main" xmlns="" val="1"/>
+              <ma14:wrappingTextBoxFlag xmlns="" xmlns:ma14="http://schemas.microsoft.com/office/mac/drawingml/2011/main" val="1"/>
             </a:ext>
           </a:extLst>
         </p:spPr>
@@ -6676,7 +6642,7 @@
           </a:ln>
           <a:extLst>
             <a:ext uri="{C572A759-6A51-4108-AA02-DFA0A04FC94B}">
-              <ma14:wrappingTextBoxFlag xmlns:ma14="http://schemas.microsoft.com/office/mac/drawingml/2011/main" xmlns="" val="1"/>
+              <ma14:wrappingTextBoxFlag xmlns="" xmlns:ma14="http://schemas.microsoft.com/office/mac/drawingml/2011/main" val="1"/>
             </a:ext>
           </a:extLst>
         </p:spPr>
@@ -6746,7 +6712,7 @@
           </a:ln>
           <a:extLst>
             <a:ext uri="{C572A759-6A51-4108-AA02-DFA0A04FC94B}">
-              <ma14:wrappingTextBoxFlag xmlns:ma14="http://schemas.microsoft.com/office/mac/drawingml/2011/main" xmlns="" val="1"/>
+              <ma14:wrappingTextBoxFlag xmlns="" xmlns:ma14="http://schemas.microsoft.com/office/mac/drawingml/2011/main" val="1"/>
             </a:ext>
           </a:extLst>
         </p:spPr>
@@ -6808,7 +6774,7 @@
           </a:ln>
           <a:extLst>
             <a:ext uri="{C572A759-6A51-4108-AA02-DFA0A04FC94B}">
-              <ma14:wrappingTextBoxFlag xmlns:ma14="http://schemas.microsoft.com/office/mac/drawingml/2011/main" xmlns="" val="1"/>
+              <ma14:wrappingTextBoxFlag xmlns="" xmlns:ma14="http://schemas.microsoft.com/office/mac/drawingml/2011/main" val="1"/>
             </a:ext>
           </a:extLst>
         </p:spPr>
@@ -6968,7 +6934,7 @@
           </a:ln>
           <a:extLst>
             <a:ext uri="{C572A759-6A51-4108-AA02-DFA0A04FC94B}">
-              <ma14:wrappingTextBoxFlag xmlns:ma14="http://schemas.microsoft.com/office/mac/drawingml/2011/main" xmlns="" val="1"/>
+              <ma14:wrappingTextBoxFlag xmlns="" xmlns:ma14="http://schemas.microsoft.com/office/mac/drawingml/2011/main" val="1"/>
             </a:ext>
           </a:extLst>
         </p:spPr>
@@ -7144,7 +7110,7 @@
             </a:ln>
             <a:extLst>
               <a:ext uri="{C572A759-6A51-4108-AA02-DFA0A04FC94B}">
-                <ma14:wrappingTextBoxFlag xmlns:ma14="http://schemas.microsoft.com/office/mac/drawingml/2011/main" xmlns="" val="1"/>
+                <ma14:wrappingTextBoxFlag xmlns="" xmlns:ma14="http://schemas.microsoft.com/office/mac/drawingml/2011/main" val="1"/>
               </a:ext>
             </a:extLst>
           </p:spPr>
@@ -7275,7 +7241,7 @@
             </a:ln>
             <a:extLst>
               <a:ext uri="{C572A759-6A51-4108-AA02-DFA0A04FC94B}">
-                <ma14:wrappingTextBoxFlag xmlns:ma14="http://schemas.microsoft.com/office/mac/drawingml/2011/main" xmlns="" val="1"/>
+                <ma14:wrappingTextBoxFlag xmlns="" xmlns:ma14="http://schemas.microsoft.com/office/mac/drawingml/2011/main" val="1"/>
               </a:ext>
             </a:extLst>
           </p:spPr>
@@ -7323,7 +7289,7 @@
             </a:ln>
             <a:extLst>
               <a:ext uri="{C572A759-6A51-4108-AA02-DFA0A04FC94B}">
-                <ma14:wrappingTextBoxFlag xmlns:ma14="http://schemas.microsoft.com/office/mac/drawingml/2011/main" xmlns="" val="1"/>
+                <ma14:wrappingTextBoxFlag xmlns="" xmlns:ma14="http://schemas.microsoft.com/office/mac/drawingml/2011/main" val="1"/>
               </a:ext>
             </a:extLst>
           </p:spPr>
@@ -7371,7 +7337,7 @@
             </a:ln>
             <a:extLst>
               <a:ext uri="{C572A759-6A51-4108-AA02-DFA0A04FC94B}">
-                <ma14:wrappingTextBoxFlag xmlns:ma14="http://schemas.microsoft.com/office/mac/drawingml/2011/main" xmlns="" val="1"/>
+                <ma14:wrappingTextBoxFlag xmlns="" xmlns:ma14="http://schemas.microsoft.com/office/mac/drawingml/2011/main" val="1"/>
               </a:ext>
             </a:extLst>
           </p:spPr>
@@ -7419,7 +7385,7 @@
             </a:ln>
             <a:extLst>
               <a:ext uri="{C572A759-6A51-4108-AA02-DFA0A04FC94B}">
-                <ma14:wrappingTextBoxFlag xmlns:ma14="http://schemas.microsoft.com/office/mac/drawingml/2011/main" xmlns="" val="1"/>
+                <ma14:wrappingTextBoxFlag xmlns="" xmlns:ma14="http://schemas.microsoft.com/office/mac/drawingml/2011/main" val="1"/>
               </a:ext>
             </a:extLst>
           </p:spPr>
@@ -7695,7 +7661,7 @@
             </a:ln>
             <a:extLst>
               <a:ext uri="{C572A759-6A51-4108-AA02-DFA0A04FC94B}">
-                <ma14:wrappingTextBoxFlag xmlns:ma14="http://schemas.microsoft.com/office/mac/drawingml/2011/main" xmlns="" val="1"/>
+                <ma14:wrappingTextBoxFlag xmlns="" xmlns:ma14="http://schemas.microsoft.com/office/mac/drawingml/2011/main" val="1"/>
               </a:ext>
             </a:extLst>
           </p:spPr>
@@ -7743,7 +7709,7 @@
             </a:ln>
             <a:extLst>
               <a:ext uri="{C572A759-6A51-4108-AA02-DFA0A04FC94B}">
-                <ma14:wrappingTextBoxFlag xmlns:ma14="http://schemas.microsoft.com/office/mac/drawingml/2011/main" xmlns="" val="1"/>
+                <ma14:wrappingTextBoxFlag xmlns="" xmlns:ma14="http://schemas.microsoft.com/office/mac/drawingml/2011/main" val="1"/>
               </a:ext>
             </a:extLst>
           </p:spPr>
@@ -7871,7 +7837,7 @@
             </a:ln>
             <a:extLst>
               <a:ext uri="{C572A759-6A51-4108-AA02-DFA0A04FC94B}">
-                <ma14:wrappingTextBoxFlag xmlns:ma14="http://schemas.microsoft.com/office/mac/drawingml/2011/main" xmlns="" val="1"/>
+                <ma14:wrappingTextBoxFlag xmlns="" xmlns:ma14="http://schemas.microsoft.com/office/mac/drawingml/2011/main" val="1"/>
               </a:ext>
             </a:extLst>
           </p:spPr>
@@ -8009,7 +7975,7 @@
             </a:ln>
             <a:extLst>
               <a:ext uri="{C572A759-6A51-4108-AA02-DFA0A04FC94B}">
-                <ma14:wrappingTextBoxFlag xmlns:ma14="http://schemas.microsoft.com/office/mac/drawingml/2011/main" xmlns="" val="1"/>
+                <ma14:wrappingTextBoxFlag xmlns="" xmlns:ma14="http://schemas.microsoft.com/office/mac/drawingml/2011/main" val="1"/>
               </a:ext>
             </a:extLst>
           </p:spPr>
@@ -8109,7 +8075,7 @@
             </a:ln>
             <a:extLst>
               <a:ext uri="{C572A759-6A51-4108-AA02-DFA0A04FC94B}">
-                <ma14:wrappingTextBoxFlag xmlns:ma14="http://schemas.microsoft.com/office/mac/drawingml/2011/main" xmlns="" val="1"/>
+                <ma14:wrappingTextBoxFlag xmlns="" xmlns:ma14="http://schemas.microsoft.com/office/mac/drawingml/2011/main" val="1"/>
               </a:ext>
             </a:extLst>
           </p:spPr>
@@ -8169,7 +8135,7 @@
             </a:ln>
             <a:extLst>
               <a:ext uri="{C572A759-6A51-4108-AA02-DFA0A04FC94B}">
-                <ma14:wrappingTextBoxFlag xmlns:ma14="http://schemas.microsoft.com/office/mac/drawingml/2011/main" xmlns="" val="1"/>
+                <ma14:wrappingTextBoxFlag xmlns="" xmlns:ma14="http://schemas.microsoft.com/office/mac/drawingml/2011/main" val="1"/>
               </a:ext>
             </a:extLst>
           </p:spPr>
@@ -8204,10 +8170,10 @@
       </p:grpSp>
       <p:sp>
         <p:nvSpPr>
-          <p:cNvPr id="46" name="Shape 123">
+          <p:cNvPr id="38" name="Shape 123">
             <a:extLst>
               <a:ext uri="{FF2B5EF4-FFF2-40B4-BE49-F238E27FC236}">
-                <a16:creationId xmlns:a16="http://schemas.microsoft.com/office/drawing/2014/main" id="{CC92C77F-3E2E-0C45-963D-F033FAA8EE96}"/>
+                <a16:creationId xmlns:a16="http://schemas.microsoft.com/office/drawing/2014/main" id="{BA96DBC7-7F85-E54C-A968-E8105F20BF4C}"/>
               </a:ext>
             </a:extLst>
           </p:cNvPr>
@@ -8216,8 +8182,8 @@
         </p:nvSpPr>
         <p:spPr>
           <a:xfrm>
-            <a:off x="16436319" y="12505104"/>
-            <a:ext cx="7428315" cy="759822"/>
+            <a:off x="12192001" y="12658992"/>
+            <a:ext cx="11672634" cy="452046"/>
           </a:xfrm>
           <a:prstGeom prst="rect">
             <a:avLst/>
@@ -8227,12 +8193,12 @@
           </a:ln>
           <a:extLst>
             <a:ext uri="{C572A759-6A51-4108-AA02-DFA0A04FC94B}">
-              <ma14:wrappingTextBoxFlag xmlns:ma14="http://schemas.microsoft.com/office/mac/drawingml/2011/main" xmlns="" val="1"/>
+              <ma14:wrappingTextBoxFlag xmlns="" xmlns:ma14="http://schemas.microsoft.com/office/mac/drawingml/2011/main" val="1"/>
             </a:ext>
           </a:extLst>
         </p:spPr>
         <p:txBody>
-          <a:bodyPr wrap="none" lIns="71437" tIns="71437" rIns="71437" bIns="71437" anchor="ctr">
+          <a:bodyPr wrap="square" lIns="71437" tIns="71437" rIns="71437" bIns="71437" anchor="ctr">
             <a:spAutoFit/>
           </a:bodyPr>
           <a:lstStyle/>
@@ -8258,24 +8224,7 @@
             </a:r>
             <a:r>
               <a:rPr lang="en-AU" dirty="0"/>
-              <a:t>/</a:t>
-            </a:r>
-          </a:p>
-          <a:p>
-            <a:pPr algn="r">
-              <a:defRPr sz="2000" b="0">
-                <a:solidFill>
-                  <a:srgbClr val="919191"/>
-                </a:solidFill>
-                <a:latin typeface="Montserrat Medium"/>
-                <a:ea typeface="Montserrat Medium"/>
-                <a:cs typeface="Montserrat Medium"/>
-                <a:sym typeface="Montserrat Medium"/>
-              </a:defRPr>
-            </a:pPr>
-            <a:r>
-              <a:rPr lang="en-AU" dirty="0"/>
-              <a:t>photos/hh7UrZGZAF8</a:t>
+              <a:t>/photos/hh7UrZGZAF8c</a:t>
             </a:r>
           </a:p>
         </p:txBody>
@@ -8331,7 +8280,7 @@
           </a:ln>
           <a:extLst>
             <a:ext uri="{C572A759-6A51-4108-AA02-DFA0A04FC94B}">
-              <ma14:wrappingTextBoxFlag xmlns:ma14="http://schemas.microsoft.com/office/mac/drawingml/2011/main" xmlns="" val="1"/>
+              <ma14:wrappingTextBoxFlag xmlns="" xmlns:ma14="http://schemas.microsoft.com/office/mac/drawingml/2011/main" val="1"/>
             </a:ext>
           </a:extLst>
         </p:spPr>
@@ -8384,7 +8333,7 @@
           </a:ln>
           <a:extLst>
             <a:ext uri="{C572A759-6A51-4108-AA02-DFA0A04FC94B}">
-              <ma14:wrappingTextBoxFlag xmlns:ma14="http://schemas.microsoft.com/office/mac/drawingml/2011/main" xmlns="" val="1"/>
+              <ma14:wrappingTextBoxFlag xmlns="" xmlns:ma14="http://schemas.microsoft.com/office/mac/drawingml/2011/main" val="1"/>
             </a:ext>
           </a:extLst>
         </p:spPr>
@@ -8446,7 +8395,7 @@
           </a:ln>
           <a:extLst>
             <a:ext uri="{C572A759-6A51-4108-AA02-DFA0A04FC94B}">
-              <ma14:wrappingTextBoxFlag xmlns:ma14="http://schemas.microsoft.com/office/mac/drawingml/2011/main" xmlns="" val="1"/>
+              <ma14:wrappingTextBoxFlag xmlns="" xmlns:ma14="http://schemas.microsoft.com/office/mac/drawingml/2011/main" val="1"/>
             </a:ext>
           </a:extLst>
         </p:spPr>
@@ -8516,7 +8465,7 @@
           </a:ln>
           <a:extLst>
             <a:ext uri="{C572A759-6A51-4108-AA02-DFA0A04FC94B}">
-              <ma14:wrappingTextBoxFlag xmlns:ma14="http://schemas.microsoft.com/office/mac/drawingml/2011/main" xmlns="" val="1"/>
+              <ma14:wrappingTextBoxFlag xmlns="" xmlns:ma14="http://schemas.microsoft.com/office/mac/drawingml/2011/main" val="1"/>
             </a:ext>
           </a:extLst>
         </p:spPr>
@@ -8586,7 +8535,7 @@
           </a:ln>
           <a:extLst>
             <a:ext uri="{C572A759-6A51-4108-AA02-DFA0A04FC94B}">
-              <ma14:wrappingTextBoxFlag xmlns:ma14="http://schemas.microsoft.com/office/mac/drawingml/2011/main" xmlns="" val="1"/>
+              <ma14:wrappingTextBoxFlag xmlns="" xmlns:ma14="http://schemas.microsoft.com/office/mac/drawingml/2011/main" val="1"/>
             </a:ext>
           </a:extLst>
         </p:spPr>
@@ -8648,7 +8597,7 @@
           </a:ln>
           <a:extLst>
             <a:ext uri="{C572A759-6A51-4108-AA02-DFA0A04FC94B}">
-              <ma14:wrappingTextBoxFlag xmlns:ma14="http://schemas.microsoft.com/office/mac/drawingml/2011/main" xmlns="" val="1"/>
+              <ma14:wrappingTextBoxFlag xmlns="" xmlns:ma14="http://schemas.microsoft.com/office/mac/drawingml/2011/main" val="1"/>
             </a:ext>
           </a:extLst>
         </p:spPr>
@@ -8808,7 +8757,7 @@
           </a:ln>
           <a:extLst>
             <a:ext uri="{C572A759-6A51-4108-AA02-DFA0A04FC94B}">
-              <ma14:wrappingTextBoxFlag xmlns:ma14="http://schemas.microsoft.com/office/mac/drawingml/2011/main" xmlns="" val="1"/>
+              <ma14:wrappingTextBoxFlag xmlns="" xmlns:ma14="http://schemas.microsoft.com/office/mac/drawingml/2011/main" val="1"/>
             </a:ext>
           </a:extLst>
         </p:spPr>
@@ -8984,7 +8933,7 @@
             </a:ln>
             <a:extLst>
               <a:ext uri="{C572A759-6A51-4108-AA02-DFA0A04FC94B}">
-                <ma14:wrappingTextBoxFlag xmlns:ma14="http://schemas.microsoft.com/office/mac/drawingml/2011/main" xmlns="" val="1"/>
+                <ma14:wrappingTextBoxFlag xmlns="" xmlns:ma14="http://schemas.microsoft.com/office/mac/drawingml/2011/main" val="1"/>
               </a:ext>
             </a:extLst>
           </p:spPr>
@@ -9121,7 +9070,7 @@
             </a:ln>
             <a:extLst>
               <a:ext uri="{C572A759-6A51-4108-AA02-DFA0A04FC94B}">
-                <ma14:wrappingTextBoxFlag xmlns:ma14="http://schemas.microsoft.com/office/mac/drawingml/2011/main" xmlns="" val="1"/>
+                <ma14:wrappingTextBoxFlag xmlns="" xmlns:ma14="http://schemas.microsoft.com/office/mac/drawingml/2011/main" val="1"/>
               </a:ext>
             </a:extLst>
           </p:spPr>
@@ -9169,7 +9118,7 @@
             </a:ln>
             <a:extLst>
               <a:ext uri="{C572A759-6A51-4108-AA02-DFA0A04FC94B}">
-                <ma14:wrappingTextBoxFlag xmlns:ma14="http://schemas.microsoft.com/office/mac/drawingml/2011/main" xmlns="" val="1"/>
+                <ma14:wrappingTextBoxFlag xmlns="" xmlns:ma14="http://schemas.microsoft.com/office/mac/drawingml/2011/main" val="1"/>
               </a:ext>
             </a:extLst>
           </p:spPr>
@@ -9217,7 +9166,7 @@
             </a:ln>
             <a:extLst>
               <a:ext uri="{C572A759-6A51-4108-AA02-DFA0A04FC94B}">
-                <ma14:wrappingTextBoxFlag xmlns:ma14="http://schemas.microsoft.com/office/mac/drawingml/2011/main" xmlns="" val="1"/>
+                <ma14:wrappingTextBoxFlag xmlns="" xmlns:ma14="http://schemas.microsoft.com/office/mac/drawingml/2011/main" val="1"/>
               </a:ext>
             </a:extLst>
           </p:spPr>
@@ -9265,7 +9214,7 @@
             </a:ln>
             <a:extLst>
               <a:ext uri="{C572A759-6A51-4108-AA02-DFA0A04FC94B}">
-                <ma14:wrappingTextBoxFlag xmlns:ma14="http://schemas.microsoft.com/office/mac/drawingml/2011/main" xmlns="" val="1"/>
+                <ma14:wrappingTextBoxFlag xmlns="" xmlns:ma14="http://schemas.microsoft.com/office/mac/drawingml/2011/main" val="1"/>
               </a:ext>
             </a:extLst>
           </p:spPr>
@@ -9541,7 +9490,7 @@
             </a:ln>
             <a:extLst>
               <a:ext uri="{C572A759-6A51-4108-AA02-DFA0A04FC94B}">
-                <ma14:wrappingTextBoxFlag xmlns:ma14="http://schemas.microsoft.com/office/mac/drawingml/2011/main" xmlns="" val="1"/>
+                <ma14:wrappingTextBoxFlag xmlns="" xmlns:ma14="http://schemas.microsoft.com/office/mac/drawingml/2011/main" val="1"/>
               </a:ext>
             </a:extLst>
           </p:spPr>
@@ -9589,7 +9538,7 @@
             </a:ln>
             <a:extLst>
               <a:ext uri="{C572A759-6A51-4108-AA02-DFA0A04FC94B}">
-                <ma14:wrappingTextBoxFlag xmlns:ma14="http://schemas.microsoft.com/office/mac/drawingml/2011/main" xmlns="" val="1"/>
+                <ma14:wrappingTextBoxFlag xmlns="" xmlns:ma14="http://schemas.microsoft.com/office/mac/drawingml/2011/main" val="1"/>
               </a:ext>
             </a:extLst>
           </p:spPr>
@@ -9717,7 +9666,7 @@
             </a:ln>
             <a:extLst>
               <a:ext uri="{C572A759-6A51-4108-AA02-DFA0A04FC94B}">
-                <ma14:wrappingTextBoxFlag xmlns:ma14="http://schemas.microsoft.com/office/mac/drawingml/2011/main" xmlns="" val="1"/>
+                <ma14:wrappingTextBoxFlag xmlns="" xmlns:ma14="http://schemas.microsoft.com/office/mac/drawingml/2011/main" val="1"/>
               </a:ext>
             </a:extLst>
           </p:spPr>
@@ -9855,7 +9804,7 @@
             </a:ln>
             <a:extLst>
               <a:ext uri="{C572A759-6A51-4108-AA02-DFA0A04FC94B}">
-                <ma14:wrappingTextBoxFlag xmlns:ma14="http://schemas.microsoft.com/office/mac/drawingml/2011/main" xmlns="" val="1"/>
+                <ma14:wrappingTextBoxFlag xmlns="" xmlns:ma14="http://schemas.microsoft.com/office/mac/drawingml/2011/main" val="1"/>
               </a:ext>
             </a:extLst>
           </p:spPr>
@@ -9955,7 +9904,7 @@
             </a:ln>
             <a:extLst>
               <a:ext uri="{C572A759-6A51-4108-AA02-DFA0A04FC94B}">
-                <ma14:wrappingTextBoxFlag xmlns:ma14="http://schemas.microsoft.com/office/mac/drawingml/2011/main" xmlns="" val="1"/>
+                <ma14:wrappingTextBoxFlag xmlns="" xmlns:ma14="http://schemas.microsoft.com/office/mac/drawingml/2011/main" val="1"/>
               </a:ext>
             </a:extLst>
           </p:spPr>
@@ -10015,7 +9964,7 @@
             </a:ln>
             <a:extLst>
               <a:ext uri="{C572A759-6A51-4108-AA02-DFA0A04FC94B}">
-                <ma14:wrappingTextBoxFlag xmlns:ma14="http://schemas.microsoft.com/office/mac/drawingml/2011/main" xmlns="" val="1"/>
+                <ma14:wrappingTextBoxFlag xmlns="" xmlns:ma14="http://schemas.microsoft.com/office/mac/drawingml/2011/main" val="1"/>
               </a:ext>
             </a:extLst>
           </p:spPr>
@@ -10050,10 +9999,10 @@
       </p:grpSp>
       <p:sp>
         <p:nvSpPr>
-          <p:cNvPr id="46" name="Shape 123">
+          <p:cNvPr id="39" name="Shape 123">
             <a:extLst>
               <a:ext uri="{FF2B5EF4-FFF2-40B4-BE49-F238E27FC236}">
-                <a16:creationId xmlns:a16="http://schemas.microsoft.com/office/drawing/2014/main" id="{6F06D59F-F246-5E4A-93B1-4A152538296A}"/>
+                <a16:creationId xmlns:a16="http://schemas.microsoft.com/office/drawing/2014/main" id="{EEFDDB95-B3C9-2D42-BA76-769988708E8A}"/>
               </a:ext>
             </a:extLst>
           </p:cNvPr>
@@ -10062,8 +10011,8 @@
         </p:nvSpPr>
         <p:spPr>
           <a:xfrm>
-            <a:off x="16436319" y="12505104"/>
-            <a:ext cx="7428315" cy="759822"/>
+            <a:off x="12192001" y="12658992"/>
+            <a:ext cx="11672634" cy="452046"/>
           </a:xfrm>
           <a:prstGeom prst="rect">
             <a:avLst/>
@@ -10073,12 +10022,12 @@
           </a:ln>
           <a:extLst>
             <a:ext uri="{C572A759-6A51-4108-AA02-DFA0A04FC94B}">
-              <ma14:wrappingTextBoxFlag xmlns:ma14="http://schemas.microsoft.com/office/mac/drawingml/2011/main" xmlns="" val="1"/>
+              <ma14:wrappingTextBoxFlag xmlns="" xmlns:ma14="http://schemas.microsoft.com/office/mac/drawingml/2011/main" val="1"/>
             </a:ext>
           </a:extLst>
         </p:spPr>
         <p:txBody>
-          <a:bodyPr wrap="none" lIns="71437" tIns="71437" rIns="71437" bIns="71437" anchor="ctr">
+          <a:bodyPr wrap="square" lIns="71437" tIns="71437" rIns="71437" bIns="71437" anchor="ctr">
             <a:spAutoFit/>
           </a:bodyPr>
           <a:lstStyle/>
@@ -10104,24 +10053,7 @@
             </a:r>
             <a:r>
               <a:rPr lang="en-AU" dirty="0"/>
-              <a:t>/</a:t>
-            </a:r>
-          </a:p>
-          <a:p>
-            <a:pPr algn="r">
-              <a:defRPr sz="2000" b="0">
-                <a:solidFill>
-                  <a:srgbClr val="919191"/>
-                </a:solidFill>
-                <a:latin typeface="Montserrat Medium"/>
-                <a:ea typeface="Montserrat Medium"/>
-                <a:cs typeface="Montserrat Medium"/>
-                <a:sym typeface="Montserrat Medium"/>
-              </a:defRPr>
-            </a:pPr>
-            <a:r>
-              <a:rPr lang="en-AU" dirty="0"/>
-              <a:t>photos/hh7UrZGZAF8</a:t>
+              <a:t>/photos/hh7UrZGZAF8c</a:t>
             </a:r>
           </a:p>
         </p:txBody>
@@ -10154,6 +10086,67 @@
       </p:grpSpPr>
       <p:sp>
         <p:nvSpPr>
+          <p:cNvPr id="39" name="Shape 123">
+            <a:extLst>
+              <a:ext uri="{FF2B5EF4-FFF2-40B4-BE49-F238E27FC236}">
+                <a16:creationId xmlns:a16="http://schemas.microsoft.com/office/drawing/2014/main" id="{3D559087-8213-FC46-832D-6224CF3D8E59}"/>
+              </a:ext>
+            </a:extLst>
+          </p:cNvPr>
+          <p:cNvSpPr/>
+          <p:nvPr/>
+        </p:nvSpPr>
+        <p:spPr>
+          <a:xfrm>
+            <a:off x="12192001" y="12658992"/>
+            <a:ext cx="11672634" cy="452046"/>
+          </a:xfrm>
+          <a:prstGeom prst="rect">
+            <a:avLst/>
+          </a:prstGeom>
+          <a:ln w="12700">
+            <a:miter lim="400000"/>
+          </a:ln>
+          <a:extLst>
+            <a:ext uri="{C572A759-6A51-4108-AA02-DFA0A04FC94B}">
+              <ma14:wrappingTextBoxFlag xmlns="" xmlns:ma14="http://schemas.microsoft.com/office/mac/drawingml/2011/main" val="1"/>
+            </a:ext>
+          </a:extLst>
+        </p:spPr>
+        <p:txBody>
+          <a:bodyPr wrap="square" lIns="71437" tIns="71437" rIns="71437" bIns="71437" anchor="ctr">
+            <a:spAutoFit/>
+          </a:bodyPr>
+          <a:lstStyle/>
+          <a:p>
+            <a:pPr algn="r">
+              <a:defRPr sz="2000" b="0">
+                <a:solidFill>
+                  <a:srgbClr val="919191"/>
+                </a:solidFill>
+                <a:latin typeface="Montserrat Medium"/>
+                <a:ea typeface="Montserrat Medium"/>
+                <a:cs typeface="Montserrat Medium"/>
+                <a:sym typeface="Montserrat Medium"/>
+              </a:defRPr>
+            </a:pPr>
+            <a:r>
+              <a:rPr lang="en-AU" dirty="0"/>
+              <a:t>Image Attribution: Mike Lewinski, https://</a:t>
+            </a:r>
+            <a:r>
+              <a:rPr lang="en-AU" dirty="0" err="1"/>
+              <a:t>unsplash.com</a:t>
+            </a:r>
+            <a:r>
+              <a:rPr lang="en-AU" dirty="0"/>
+              <a:t>/photos/hh7UrZGZAF8c</a:t>
+            </a:r>
+          </a:p>
+        </p:txBody>
+      </p:sp>
+      <p:sp>
+        <p:nvSpPr>
           <p:cNvPr id="40" name="Shape 152">
             <a:extLst>
               <a:ext uri="{FF2B5EF4-FFF2-40B4-BE49-F238E27FC236}">
@@ -10177,7 +10170,7 @@
           </a:ln>
           <a:extLst>
             <a:ext uri="{C572A759-6A51-4108-AA02-DFA0A04FC94B}">
-              <ma14:wrappingTextBoxFlag xmlns:ma14="http://schemas.microsoft.com/office/mac/drawingml/2011/main" xmlns="" val="1"/>
+              <ma14:wrappingTextBoxFlag xmlns="" xmlns:ma14="http://schemas.microsoft.com/office/mac/drawingml/2011/main" val="1"/>
             </a:ext>
           </a:extLst>
         </p:spPr>
@@ -10230,7 +10223,7 @@
           </a:ln>
           <a:extLst>
             <a:ext uri="{C572A759-6A51-4108-AA02-DFA0A04FC94B}">
-              <ma14:wrappingTextBoxFlag xmlns:ma14="http://schemas.microsoft.com/office/mac/drawingml/2011/main" xmlns="" val="1"/>
+              <ma14:wrappingTextBoxFlag xmlns="" xmlns:ma14="http://schemas.microsoft.com/office/mac/drawingml/2011/main" val="1"/>
             </a:ext>
           </a:extLst>
         </p:spPr>
@@ -10292,7 +10285,7 @@
           </a:ln>
           <a:extLst>
             <a:ext uri="{C572A759-6A51-4108-AA02-DFA0A04FC94B}">
-              <ma14:wrappingTextBoxFlag xmlns:ma14="http://schemas.microsoft.com/office/mac/drawingml/2011/main" xmlns="" val="1"/>
+              <ma14:wrappingTextBoxFlag xmlns="" xmlns:ma14="http://schemas.microsoft.com/office/mac/drawingml/2011/main" val="1"/>
             </a:ext>
           </a:extLst>
         </p:spPr>
@@ -10362,7 +10355,7 @@
           </a:ln>
           <a:extLst>
             <a:ext uri="{C572A759-6A51-4108-AA02-DFA0A04FC94B}">
-              <ma14:wrappingTextBoxFlag xmlns:ma14="http://schemas.microsoft.com/office/mac/drawingml/2011/main" xmlns="" val="1"/>
+              <ma14:wrappingTextBoxFlag xmlns="" xmlns:ma14="http://schemas.microsoft.com/office/mac/drawingml/2011/main" val="1"/>
             </a:ext>
           </a:extLst>
         </p:spPr>
@@ -10432,7 +10425,7 @@
           </a:ln>
           <a:extLst>
             <a:ext uri="{C572A759-6A51-4108-AA02-DFA0A04FC94B}">
-              <ma14:wrappingTextBoxFlag xmlns:ma14="http://schemas.microsoft.com/office/mac/drawingml/2011/main" xmlns="" val="1"/>
+              <ma14:wrappingTextBoxFlag xmlns="" xmlns:ma14="http://schemas.microsoft.com/office/mac/drawingml/2011/main" val="1"/>
             </a:ext>
           </a:extLst>
         </p:spPr>
@@ -10494,7 +10487,7 @@
           </a:ln>
           <a:extLst>
             <a:ext uri="{C572A759-6A51-4108-AA02-DFA0A04FC94B}">
-              <ma14:wrappingTextBoxFlag xmlns:ma14="http://schemas.microsoft.com/office/mac/drawingml/2011/main" xmlns="" val="1"/>
+              <ma14:wrappingTextBoxFlag xmlns="" xmlns:ma14="http://schemas.microsoft.com/office/mac/drawingml/2011/main" val="1"/>
             </a:ext>
           </a:extLst>
         </p:spPr>
@@ -10716,7 +10709,7 @@
             </a:ln>
             <a:extLst>
               <a:ext uri="{C572A759-6A51-4108-AA02-DFA0A04FC94B}">
-                <ma14:wrappingTextBoxFlag xmlns:ma14="http://schemas.microsoft.com/office/mac/drawingml/2011/main" xmlns="" val="1"/>
+                <ma14:wrappingTextBoxFlag xmlns="" xmlns:ma14="http://schemas.microsoft.com/office/mac/drawingml/2011/main" val="1"/>
               </a:ext>
             </a:extLst>
           </p:spPr>
@@ -10847,7 +10840,7 @@
             </a:ln>
             <a:extLst>
               <a:ext uri="{C572A759-6A51-4108-AA02-DFA0A04FC94B}">
-                <ma14:wrappingTextBoxFlag xmlns:ma14="http://schemas.microsoft.com/office/mac/drawingml/2011/main" xmlns="" val="1"/>
+                <ma14:wrappingTextBoxFlag xmlns="" xmlns:ma14="http://schemas.microsoft.com/office/mac/drawingml/2011/main" val="1"/>
               </a:ext>
             </a:extLst>
           </p:spPr>
@@ -10895,7 +10888,7 @@
             </a:ln>
             <a:extLst>
               <a:ext uri="{C572A759-6A51-4108-AA02-DFA0A04FC94B}">
-                <ma14:wrappingTextBoxFlag xmlns:ma14="http://schemas.microsoft.com/office/mac/drawingml/2011/main" xmlns="" val="1"/>
+                <ma14:wrappingTextBoxFlag xmlns="" xmlns:ma14="http://schemas.microsoft.com/office/mac/drawingml/2011/main" val="1"/>
               </a:ext>
             </a:extLst>
           </p:spPr>
@@ -10943,7 +10936,7 @@
             </a:ln>
             <a:extLst>
               <a:ext uri="{C572A759-6A51-4108-AA02-DFA0A04FC94B}">
-                <ma14:wrappingTextBoxFlag xmlns:ma14="http://schemas.microsoft.com/office/mac/drawingml/2011/main" xmlns="" val="1"/>
+                <ma14:wrappingTextBoxFlag xmlns="" xmlns:ma14="http://schemas.microsoft.com/office/mac/drawingml/2011/main" val="1"/>
               </a:ext>
             </a:extLst>
           </p:spPr>
@@ -10991,7 +10984,7 @@
             </a:ln>
             <a:extLst>
               <a:ext uri="{C572A759-6A51-4108-AA02-DFA0A04FC94B}">
-                <ma14:wrappingTextBoxFlag xmlns:ma14="http://schemas.microsoft.com/office/mac/drawingml/2011/main" xmlns="" val="1"/>
+                <ma14:wrappingTextBoxFlag xmlns="" xmlns:ma14="http://schemas.microsoft.com/office/mac/drawingml/2011/main" val="1"/>
               </a:ext>
             </a:extLst>
           </p:spPr>
@@ -11267,7 +11260,7 @@
             </a:ln>
             <a:extLst>
               <a:ext uri="{C572A759-6A51-4108-AA02-DFA0A04FC94B}">
-                <ma14:wrappingTextBoxFlag xmlns:ma14="http://schemas.microsoft.com/office/mac/drawingml/2011/main" xmlns="" val="1"/>
+                <ma14:wrappingTextBoxFlag xmlns="" xmlns:ma14="http://schemas.microsoft.com/office/mac/drawingml/2011/main" val="1"/>
               </a:ext>
             </a:extLst>
           </p:spPr>
@@ -11315,7 +11308,7 @@
             </a:ln>
             <a:extLst>
               <a:ext uri="{C572A759-6A51-4108-AA02-DFA0A04FC94B}">
-                <ma14:wrappingTextBoxFlag xmlns:ma14="http://schemas.microsoft.com/office/mac/drawingml/2011/main" xmlns="" val="1"/>
+                <ma14:wrappingTextBoxFlag xmlns="" xmlns:ma14="http://schemas.microsoft.com/office/mac/drawingml/2011/main" val="1"/>
               </a:ext>
             </a:extLst>
           </p:spPr>
@@ -11443,7 +11436,7 @@
             </a:ln>
             <a:extLst>
               <a:ext uri="{C572A759-6A51-4108-AA02-DFA0A04FC94B}">
-                <ma14:wrappingTextBoxFlag xmlns:ma14="http://schemas.microsoft.com/office/mac/drawingml/2011/main" xmlns="" val="1"/>
+                <ma14:wrappingTextBoxFlag xmlns="" xmlns:ma14="http://schemas.microsoft.com/office/mac/drawingml/2011/main" val="1"/>
               </a:ext>
             </a:extLst>
           </p:spPr>
@@ -11581,7 +11574,7 @@
             </a:ln>
             <a:extLst>
               <a:ext uri="{C572A759-6A51-4108-AA02-DFA0A04FC94B}">
-                <ma14:wrappingTextBoxFlag xmlns:ma14="http://schemas.microsoft.com/office/mac/drawingml/2011/main" xmlns="" val="1"/>
+                <ma14:wrappingTextBoxFlag xmlns="" xmlns:ma14="http://schemas.microsoft.com/office/mac/drawingml/2011/main" val="1"/>
               </a:ext>
             </a:extLst>
           </p:spPr>
@@ -11681,7 +11674,7 @@
             </a:ln>
             <a:extLst>
               <a:ext uri="{C572A759-6A51-4108-AA02-DFA0A04FC94B}">
-                <ma14:wrappingTextBoxFlag xmlns:ma14="http://schemas.microsoft.com/office/mac/drawingml/2011/main" xmlns="" val="1"/>
+                <ma14:wrappingTextBoxFlag xmlns="" xmlns:ma14="http://schemas.microsoft.com/office/mac/drawingml/2011/main" val="1"/>
               </a:ext>
             </a:extLst>
           </p:spPr>
@@ -11741,7 +11734,7 @@
             </a:ln>
             <a:extLst>
               <a:ext uri="{C572A759-6A51-4108-AA02-DFA0A04FC94B}">
-                <ma14:wrappingTextBoxFlag xmlns:ma14="http://schemas.microsoft.com/office/mac/drawingml/2011/main" xmlns="" val="1"/>
+                <ma14:wrappingTextBoxFlag xmlns="" xmlns:ma14="http://schemas.microsoft.com/office/mac/drawingml/2011/main" val="1"/>
               </a:ext>
             </a:extLst>
           </p:spPr>
@@ -11862,7 +11855,7 @@
           </a:ln>
           <a:extLst>
             <a:ext uri="{C572A759-6A51-4108-AA02-DFA0A04FC94B}">
-              <ma14:wrappingTextBoxFlag xmlns:ma14="http://schemas.microsoft.com/office/mac/drawingml/2011/main" xmlns="" val="1"/>
+              <ma14:wrappingTextBoxFlag xmlns="" xmlns:ma14="http://schemas.microsoft.com/office/mac/drawingml/2011/main" val="1"/>
             </a:ext>
           </a:extLst>
         </p:spPr>
@@ -11884,84 +11877,6 @@
           <a:p>
             <a:r>
               <a:t>Lorum ipsum dolor sit amet</a:t>
-            </a:r>
-          </a:p>
-        </p:txBody>
-      </p:sp>
-      <p:sp>
-        <p:nvSpPr>
-          <p:cNvPr id="46" name="Shape 123">
-            <a:extLst>
-              <a:ext uri="{FF2B5EF4-FFF2-40B4-BE49-F238E27FC236}">
-                <a16:creationId xmlns:a16="http://schemas.microsoft.com/office/drawing/2014/main" id="{6047EE36-8E44-AA46-B28C-29BD46340F70}"/>
-              </a:ext>
-            </a:extLst>
-          </p:cNvPr>
-          <p:cNvSpPr/>
-          <p:nvPr/>
-        </p:nvSpPr>
-        <p:spPr>
-          <a:xfrm>
-            <a:off x="16436319" y="12505104"/>
-            <a:ext cx="7428315" cy="759822"/>
-          </a:xfrm>
-          <a:prstGeom prst="rect">
-            <a:avLst/>
-          </a:prstGeom>
-          <a:ln w="12700">
-            <a:miter lim="400000"/>
-          </a:ln>
-          <a:extLst>
-            <a:ext uri="{C572A759-6A51-4108-AA02-DFA0A04FC94B}">
-              <ma14:wrappingTextBoxFlag xmlns:ma14="http://schemas.microsoft.com/office/mac/drawingml/2011/main" xmlns="" val="1"/>
-            </a:ext>
-          </a:extLst>
-        </p:spPr>
-        <p:txBody>
-          <a:bodyPr wrap="none" lIns="71437" tIns="71437" rIns="71437" bIns="71437" anchor="ctr">
-            <a:spAutoFit/>
-          </a:bodyPr>
-          <a:lstStyle/>
-          <a:p>
-            <a:pPr algn="r">
-              <a:defRPr sz="2000" b="0">
-                <a:solidFill>
-                  <a:srgbClr val="919191"/>
-                </a:solidFill>
-                <a:latin typeface="Montserrat Medium"/>
-                <a:ea typeface="Montserrat Medium"/>
-                <a:cs typeface="Montserrat Medium"/>
-                <a:sym typeface="Montserrat Medium"/>
-              </a:defRPr>
-            </a:pPr>
-            <a:r>
-              <a:rPr lang="en-AU" dirty="0"/>
-              <a:t>Image Attribution: Mike Lewinski, https://</a:t>
-            </a:r>
-            <a:r>
-              <a:rPr lang="en-AU" dirty="0" err="1"/>
-              <a:t>unsplash.com</a:t>
-            </a:r>
-            <a:r>
-              <a:rPr lang="en-AU" dirty="0"/>
-              <a:t>/</a:t>
-            </a:r>
-          </a:p>
-          <a:p>
-            <a:pPr algn="r">
-              <a:defRPr sz="2000" b="0">
-                <a:solidFill>
-                  <a:srgbClr val="919191"/>
-                </a:solidFill>
-                <a:latin typeface="Montserrat Medium"/>
-                <a:ea typeface="Montserrat Medium"/>
-                <a:cs typeface="Montserrat Medium"/>
-                <a:sym typeface="Montserrat Medium"/>
-              </a:defRPr>
-            </a:pPr>
-            <a:r>
-              <a:rPr lang="en-AU" dirty="0"/>
-              <a:t>photos/hh7UrZGZAF8</a:t>
             </a:r>
           </a:p>
         </p:txBody>
@@ -11994,10 +11909,10 @@
       </p:grpSpPr>
       <p:sp>
         <p:nvSpPr>
-          <p:cNvPr id="46" name="Shape 123">
+          <p:cNvPr id="39" name="Shape 123">
             <a:extLst>
               <a:ext uri="{FF2B5EF4-FFF2-40B4-BE49-F238E27FC236}">
-                <a16:creationId xmlns:a16="http://schemas.microsoft.com/office/drawing/2014/main" id="{5AED0F6A-144D-074D-BEE5-01C6427C9604}"/>
+                <a16:creationId xmlns:a16="http://schemas.microsoft.com/office/drawing/2014/main" id="{06192342-9CCF-ED4A-83C8-E60BD54A18A6}"/>
               </a:ext>
             </a:extLst>
           </p:cNvPr>
@@ -12006,8 +11921,8 @@
         </p:nvSpPr>
         <p:spPr>
           <a:xfrm>
-            <a:off x="16436319" y="12505104"/>
-            <a:ext cx="7428315" cy="759822"/>
+            <a:off x="12192001" y="12658992"/>
+            <a:ext cx="11672634" cy="452046"/>
           </a:xfrm>
           <a:prstGeom prst="rect">
             <a:avLst/>
@@ -12017,12 +11932,12 @@
           </a:ln>
           <a:extLst>
             <a:ext uri="{C572A759-6A51-4108-AA02-DFA0A04FC94B}">
-              <ma14:wrappingTextBoxFlag xmlns:ma14="http://schemas.microsoft.com/office/mac/drawingml/2011/main" xmlns="" val="1"/>
+              <ma14:wrappingTextBoxFlag xmlns="" xmlns:ma14="http://schemas.microsoft.com/office/mac/drawingml/2011/main" val="1"/>
             </a:ext>
           </a:extLst>
         </p:spPr>
         <p:txBody>
-          <a:bodyPr wrap="none" lIns="71437" tIns="71437" rIns="71437" bIns="71437" anchor="ctr">
+          <a:bodyPr wrap="square" lIns="71437" tIns="71437" rIns="71437" bIns="71437" anchor="ctr">
             <a:spAutoFit/>
           </a:bodyPr>
           <a:lstStyle/>
@@ -12048,24 +11963,7 @@
             </a:r>
             <a:r>
               <a:rPr lang="en-AU" dirty="0"/>
-              <a:t>/</a:t>
-            </a:r>
-          </a:p>
-          <a:p>
-            <a:pPr algn="r">
-              <a:defRPr sz="2000" b="0">
-                <a:solidFill>
-                  <a:srgbClr val="919191"/>
-                </a:solidFill>
-                <a:latin typeface="Montserrat Medium"/>
-                <a:ea typeface="Montserrat Medium"/>
-                <a:cs typeface="Montserrat Medium"/>
-                <a:sym typeface="Montserrat Medium"/>
-              </a:defRPr>
-            </a:pPr>
-            <a:r>
-              <a:rPr lang="en-AU" dirty="0"/>
-              <a:t>photos/hh7UrZGZAF8</a:t>
+              <a:t>/photos/hh7UrZGZAF8c</a:t>
             </a:r>
           </a:p>
         </p:txBody>
@@ -12095,7 +11993,7 @@
           </a:ln>
           <a:extLst>
             <a:ext uri="{C572A759-6A51-4108-AA02-DFA0A04FC94B}">
-              <ma14:wrappingTextBoxFlag xmlns:ma14="http://schemas.microsoft.com/office/mac/drawingml/2011/main" xmlns="" val="1"/>
+              <ma14:wrappingTextBoxFlag xmlns="" xmlns:ma14="http://schemas.microsoft.com/office/mac/drawingml/2011/main" val="1"/>
             </a:ext>
           </a:extLst>
         </p:spPr>
@@ -12148,7 +12046,7 @@
           </a:ln>
           <a:extLst>
             <a:ext uri="{C572A759-6A51-4108-AA02-DFA0A04FC94B}">
-              <ma14:wrappingTextBoxFlag xmlns:ma14="http://schemas.microsoft.com/office/mac/drawingml/2011/main" xmlns="" val="1"/>
+              <ma14:wrappingTextBoxFlag xmlns="" xmlns:ma14="http://schemas.microsoft.com/office/mac/drawingml/2011/main" val="1"/>
             </a:ext>
           </a:extLst>
         </p:spPr>
@@ -12210,7 +12108,7 @@
           </a:ln>
           <a:extLst>
             <a:ext uri="{C572A759-6A51-4108-AA02-DFA0A04FC94B}">
-              <ma14:wrappingTextBoxFlag xmlns:ma14="http://schemas.microsoft.com/office/mac/drawingml/2011/main" xmlns="" val="1"/>
+              <ma14:wrappingTextBoxFlag xmlns="" xmlns:ma14="http://schemas.microsoft.com/office/mac/drawingml/2011/main" val="1"/>
             </a:ext>
           </a:extLst>
         </p:spPr>
@@ -12280,7 +12178,7 @@
           </a:ln>
           <a:extLst>
             <a:ext uri="{C572A759-6A51-4108-AA02-DFA0A04FC94B}">
-              <ma14:wrappingTextBoxFlag xmlns:ma14="http://schemas.microsoft.com/office/mac/drawingml/2011/main" xmlns="" val="1"/>
+              <ma14:wrappingTextBoxFlag xmlns="" xmlns:ma14="http://schemas.microsoft.com/office/mac/drawingml/2011/main" val="1"/>
             </a:ext>
           </a:extLst>
         </p:spPr>
@@ -12350,7 +12248,7 @@
           </a:ln>
           <a:extLst>
             <a:ext uri="{C572A759-6A51-4108-AA02-DFA0A04FC94B}">
-              <ma14:wrappingTextBoxFlag xmlns:ma14="http://schemas.microsoft.com/office/mac/drawingml/2011/main" xmlns="" val="1"/>
+              <ma14:wrappingTextBoxFlag xmlns="" xmlns:ma14="http://schemas.microsoft.com/office/mac/drawingml/2011/main" val="1"/>
             </a:ext>
           </a:extLst>
         </p:spPr>
@@ -12412,7 +12310,7 @@
           </a:ln>
           <a:extLst>
             <a:ext uri="{C572A759-6A51-4108-AA02-DFA0A04FC94B}">
-              <ma14:wrappingTextBoxFlag xmlns:ma14="http://schemas.microsoft.com/office/mac/drawingml/2011/main" xmlns="" val="1"/>
+              <ma14:wrappingTextBoxFlag xmlns="" xmlns:ma14="http://schemas.microsoft.com/office/mac/drawingml/2011/main" val="1"/>
             </a:ext>
           </a:extLst>
         </p:spPr>
@@ -12634,7 +12532,7 @@
             </a:ln>
             <a:extLst>
               <a:ext uri="{C572A759-6A51-4108-AA02-DFA0A04FC94B}">
-                <ma14:wrappingTextBoxFlag xmlns:ma14="http://schemas.microsoft.com/office/mac/drawingml/2011/main" xmlns="" val="1"/>
+                <ma14:wrappingTextBoxFlag xmlns="" xmlns:ma14="http://schemas.microsoft.com/office/mac/drawingml/2011/main" val="1"/>
               </a:ext>
             </a:extLst>
           </p:spPr>
@@ -12765,7 +12663,7 @@
             </a:ln>
             <a:extLst>
               <a:ext uri="{C572A759-6A51-4108-AA02-DFA0A04FC94B}">
-                <ma14:wrappingTextBoxFlag xmlns:ma14="http://schemas.microsoft.com/office/mac/drawingml/2011/main" xmlns="" val="1"/>
+                <ma14:wrappingTextBoxFlag xmlns="" xmlns:ma14="http://schemas.microsoft.com/office/mac/drawingml/2011/main" val="1"/>
               </a:ext>
             </a:extLst>
           </p:spPr>
@@ -12813,7 +12711,7 @@
             </a:ln>
             <a:extLst>
               <a:ext uri="{C572A759-6A51-4108-AA02-DFA0A04FC94B}">
-                <ma14:wrappingTextBoxFlag xmlns:ma14="http://schemas.microsoft.com/office/mac/drawingml/2011/main" xmlns="" val="1"/>
+                <ma14:wrappingTextBoxFlag xmlns="" xmlns:ma14="http://schemas.microsoft.com/office/mac/drawingml/2011/main" val="1"/>
               </a:ext>
             </a:extLst>
           </p:spPr>
@@ -12861,7 +12759,7 @@
             </a:ln>
             <a:extLst>
               <a:ext uri="{C572A759-6A51-4108-AA02-DFA0A04FC94B}">
-                <ma14:wrappingTextBoxFlag xmlns:ma14="http://schemas.microsoft.com/office/mac/drawingml/2011/main" xmlns="" val="1"/>
+                <ma14:wrappingTextBoxFlag xmlns="" xmlns:ma14="http://schemas.microsoft.com/office/mac/drawingml/2011/main" val="1"/>
               </a:ext>
             </a:extLst>
           </p:spPr>
@@ -12909,7 +12807,7 @@
             </a:ln>
             <a:extLst>
               <a:ext uri="{C572A759-6A51-4108-AA02-DFA0A04FC94B}">
-                <ma14:wrappingTextBoxFlag xmlns:ma14="http://schemas.microsoft.com/office/mac/drawingml/2011/main" xmlns="" val="1"/>
+                <ma14:wrappingTextBoxFlag xmlns="" xmlns:ma14="http://schemas.microsoft.com/office/mac/drawingml/2011/main" val="1"/>
               </a:ext>
             </a:extLst>
           </p:spPr>
@@ -13185,7 +13083,7 @@
             </a:ln>
             <a:extLst>
               <a:ext uri="{C572A759-6A51-4108-AA02-DFA0A04FC94B}">
-                <ma14:wrappingTextBoxFlag xmlns:ma14="http://schemas.microsoft.com/office/mac/drawingml/2011/main" xmlns="" val="1"/>
+                <ma14:wrappingTextBoxFlag xmlns="" xmlns:ma14="http://schemas.microsoft.com/office/mac/drawingml/2011/main" val="1"/>
               </a:ext>
             </a:extLst>
           </p:spPr>
@@ -13233,7 +13131,7 @@
             </a:ln>
             <a:extLst>
               <a:ext uri="{C572A759-6A51-4108-AA02-DFA0A04FC94B}">
-                <ma14:wrappingTextBoxFlag xmlns:ma14="http://schemas.microsoft.com/office/mac/drawingml/2011/main" xmlns="" val="1"/>
+                <ma14:wrappingTextBoxFlag xmlns="" xmlns:ma14="http://schemas.microsoft.com/office/mac/drawingml/2011/main" val="1"/>
               </a:ext>
             </a:extLst>
           </p:spPr>
@@ -13361,7 +13259,7 @@
             </a:ln>
             <a:extLst>
               <a:ext uri="{C572A759-6A51-4108-AA02-DFA0A04FC94B}">
-                <ma14:wrappingTextBoxFlag xmlns:ma14="http://schemas.microsoft.com/office/mac/drawingml/2011/main" xmlns="" val="1"/>
+                <ma14:wrappingTextBoxFlag xmlns="" xmlns:ma14="http://schemas.microsoft.com/office/mac/drawingml/2011/main" val="1"/>
               </a:ext>
             </a:extLst>
           </p:spPr>
@@ -13499,7 +13397,7 @@
             </a:ln>
             <a:extLst>
               <a:ext uri="{C572A759-6A51-4108-AA02-DFA0A04FC94B}">
-                <ma14:wrappingTextBoxFlag xmlns:ma14="http://schemas.microsoft.com/office/mac/drawingml/2011/main" xmlns="" val="1"/>
+                <ma14:wrappingTextBoxFlag xmlns="" xmlns:ma14="http://schemas.microsoft.com/office/mac/drawingml/2011/main" val="1"/>
               </a:ext>
             </a:extLst>
           </p:spPr>
@@ -13599,7 +13497,7 @@
             </a:ln>
             <a:extLst>
               <a:ext uri="{C572A759-6A51-4108-AA02-DFA0A04FC94B}">
-                <ma14:wrappingTextBoxFlag xmlns:ma14="http://schemas.microsoft.com/office/mac/drawingml/2011/main" xmlns="" val="1"/>
+                <ma14:wrappingTextBoxFlag xmlns="" xmlns:ma14="http://schemas.microsoft.com/office/mac/drawingml/2011/main" val="1"/>
               </a:ext>
             </a:extLst>
           </p:spPr>
@@ -13659,7 +13557,7 @@
             </a:ln>
             <a:extLst>
               <a:ext uri="{C572A759-6A51-4108-AA02-DFA0A04FC94B}">
-                <ma14:wrappingTextBoxFlag xmlns:ma14="http://schemas.microsoft.com/office/mac/drawingml/2011/main" xmlns="" val="1"/>
+                <ma14:wrappingTextBoxFlag xmlns="" xmlns:ma14="http://schemas.microsoft.com/office/mac/drawingml/2011/main" val="1"/>
               </a:ext>
             </a:extLst>
           </p:spPr>
@@ -13780,7 +13678,7 @@
           </a:ln>
           <a:extLst>
             <a:ext uri="{C572A759-6A51-4108-AA02-DFA0A04FC94B}">
-              <ma14:wrappingTextBoxFlag xmlns:ma14="http://schemas.microsoft.com/office/mac/drawingml/2011/main" xmlns="" val="1"/>
+              <ma14:wrappingTextBoxFlag xmlns="" xmlns:ma14="http://schemas.microsoft.com/office/mac/drawingml/2011/main" val="1"/>
             </a:ext>
           </a:extLst>
         </p:spPr>
@@ -13834,10 +13732,10 @@
       </p:grpSpPr>
       <p:sp>
         <p:nvSpPr>
-          <p:cNvPr id="44" name="Shape 123">
+          <p:cNvPr id="39" name="Shape 123">
             <a:extLst>
               <a:ext uri="{FF2B5EF4-FFF2-40B4-BE49-F238E27FC236}">
-                <a16:creationId xmlns:a16="http://schemas.microsoft.com/office/drawing/2014/main" id="{7154BAD8-D27E-1545-BEB0-B659446042BD}"/>
+                <a16:creationId xmlns:a16="http://schemas.microsoft.com/office/drawing/2014/main" id="{2002314F-DE95-8C48-BF39-8800A7441D3E}"/>
               </a:ext>
             </a:extLst>
           </p:cNvPr>
@@ -13846,8 +13744,8 @@
         </p:nvSpPr>
         <p:spPr>
           <a:xfrm>
-            <a:off x="16436319" y="12505104"/>
-            <a:ext cx="7428315" cy="759822"/>
+            <a:off x="12192001" y="12658992"/>
+            <a:ext cx="11672634" cy="452046"/>
           </a:xfrm>
           <a:prstGeom prst="rect">
             <a:avLst/>
@@ -13857,12 +13755,12 @@
           </a:ln>
           <a:extLst>
             <a:ext uri="{C572A759-6A51-4108-AA02-DFA0A04FC94B}">
-              <ma14:wrappingTextBoxFlag xmlns:ma14="http://schemas.microsoft.com/office/mac/drawingml/2011/main" xmlns="" val="1"/>
+              <ma14:wrappingTextBoxFlag xmlns="" xmlns:ma14="http://schemas.microsoft.com/office/mac/drawingml/2011/main" val="1"/>
             </a:ext>
           </a:extLst>
         </p:spPr>
         <p:txBody>
-          <a:bodyPr wrap="none" lIns="71437" tIns="71437" rIns="71437" bIns="71437" anchor="ctr">
+          <a:bodyPr wrap="square" lIns="71437" tIns="71437" rIns="71437" bIns="71437" anchor="ctr">
             <a:spAutoFit/>
           </a:bodyPr>
           <a:lstStyle/>
@@ -13888,24 +13786,7 @@
             </a:r>
             <a:r>
               <a:rPr lang="en-AU" dirty="0"/>
-              <a:t>/</a:t>
-            </a:r>
-          </a:p>
-          <a:p>
-            <a:pPr algn="r">
-              <a:defRPr sz="2000" b="0">
-                <a:solidFill>
-                  <a:srgbClr val="919191"/>
-                </a:solidFill>
-                <a:latin typeface="Montserrat Medium"/>
-                <a:ea typeface="Montserrat Medium"/>
-                <a:cs typeface="Montserrat Medium"/>
-                <a:sym typeface="Montserrat Medium"/>
-              </a:defRPr>
-            </a:pPr>
-            <a:r>
-              <a:rPr lang="en-AU" dirty="0"/>
-              <a:t>photos/hh7UrZGZAF8</a:t>
+              <a:t>/photos/hh7UrZGZAF8c</a:t>
             </a:r>
           </a:p>
         </p:txBody>
@@ -13935,7 +13816,7 @@
           </a:ln>
           <a:extLst>
             <a:ext uri="{C572A759-6A51-4108-AA02-DFA0A04FC94B}">
-              <ma14:wrappingTextBoxFlag xmlns:ma14="http://schemas.microsoft.com/office/mac/drawingml/2011/main" xmlns="" val="1"/>
+              <ma14:wrappingTextBoxFlag xmlns="" xmlns:ma14="http://schemas.microsoft.com/office/mac/drawingml/2011/main" val="1"/>
             </a:ext>
           </a:extLst>
         </p:spPr>
@@ -13988,7 +13869,7 @@
           </a:ln>
           <a:extLst>
             <a:ext uri="{C572A759-6A51-4108-AA02-DFA0A04FC94B}">
-              <ma14:wrappingTextBoxFlag xmlns:ma14="http://schemas.microsoft.com/office/mac/drawingml/2011/main" xmlns="" val="1"/>
+              <ma14:wrappingTextBoxFlag xmlns="" xmlns:ma14="http://schemas.microsoft.com/office/mac/drawingml/2011/main" val="1"/>
             </a:ext>
           </a:extLst>
         </p:spPr>
@@ -14050,7 +13931,7 @@
           </a:ln>
           <a:extLst>
             <a:ext uri="{C572A759-6A51-4108-AA02-DFA0A04FC94B}">
-              <ma14:wrappingTextBoxFlag xmlns:ma14="http://schemas.microsoft.com/office/mac/drawingml/2011/main" xmlns="" val="1"/>
+              <ma14:wrappingTextBoxFlag xmlns="" xmlns:ma14="http://schemas.microsoft.com/office/mac/drawingml/2011/main" val="1"/>
             </a:ext>
           </a:extLst>
         </p:spPr>
@@ -14120,7 +14001,7 @@
           </a:ln>
           <a:extLst>
             <a:ext uri="{C572A759-6A51-4108-AA02-DFA0A04FC94B}">
-              <ma14:wrappingTextBoxFlag xmlns:ma14="http://schemas.microsoft.com/office/mac/drawingml/2011/main" xmlns="" val="1"/>
+              <ma14:wrappingTextBoxFlag xmlns="" xmlns:ma14="http://schemas.microsoft.com/office/mac/drawingml/2011/main" val="1"/>
             </a:ext>
           </a:extLst>
         </p:spPr>
@@ -14190,7 +14071,7 @@
           </a:ln>
           <a:extLst>
             <a:ext uri="{C572A759-6A51-4108-AA02-DFA0A04FC94B}">
-              <ma14:wrappingTextBoxFlag xmlns:ma14="http://schemas.microsoft.com/office/mac/drawingml/2011/main" xmlns="" val="1"/>
+              <ma14:wrappingTextBoxFlag xmlns="" xmlns:ma14="http://schemas.microsoft.com/office/mac/drawingml/2011/main" val="1"/>
             </a:ext>
           </a:extLst>
         </p:spPr>
@@ -14281,7 +14162,7 @@
           </a:ln>
           <a:extLst>
             <a:ext uri="{C572A759-6A51-4108-AA02-DFA0A04FC94B}">
-              <ma14:wrappingTextBoxFlag xmlns:ma14="http://schemas.microsoft.com/office/mac/drawingml/2011/main" xmlns="" val="1"/>
+              <ma14:wrappingTextBoxFlag xmlns="" xmlns:ma14="http://schemas.microsoft.com/office/mac/drawingml/2011/main" val="1"/>
             </a:ext>
           </a:extLst>
         </p:spPr>
@@ -14459,7 +14340,7 @@
             </a:ln>
             <a:extLst>
               <a:ext uri="{C572A759-6A51-4108-AA02-DFA0A04FC94B}">
-                <ma14:wrappingTextBoxFlag xmlns:ma14="http://schemas.microsoft.com/office/mac/drawingml/2011/main" xmlns="" val="1"/>
+                <ma14:wrappingTextBoxFlag xmlns="" xmlns:ma14="http://schemas.microsoft.com/office/mac/drawingml/2011/main" val="1"/>
               </a:ext>
             </a:extLst>
           </p:spPr>
@@ -14590,7 +14471,7 @@
             </a:ln>
             <a:extLst>
               <a:ext uri="{C572A759-6A51-4108-AA02-DFA0A04FC94B}">
-                <ma14:wrappingTextBoxFlag xmlns:ma14="http://schemas.microsoft.com/office/mac/drawingml/2011/main" xmlns="" val="1"/>
+                <ma14:wrappingTextBoxFlag xmlns="" xmlns:ma14="http://schemas.microsoft.com/office/mac/drawingml/2011/main" val="1"/>
               </a:ext>
             </a:extLst>
           </p:spPr>
@@ -14638,7 +14519,7 @@
             </a:ln>
             <a:extLst>
               <a:ext uri="{C572A759-6A51-4108-AA02-DFA0A04FC94B}">
-                <ma14:wrappingTextBoxFlag xmlns:ma14="http://schemas.microsoft.com/office/mac/drawingml/2011/main" xmlns="" val="1"/>
+                <ma14:wrappingTextBoxFlag xmlns="" xmlns:ma14="http://schemas.microsoft.com/office/mac/drawingml/2011/main" val="1"/>
               </a:ext>
             </a:extLst>
           </p:spPr>
@@ -14686,7 +14567,7 @@
             </a:ln>
             <a:extLst>
               <a:ext uri="{C572A759-6A51-4108-AA02-DFA0A04FC94B}">
-                <ma14:wrappingTextBoxFlag xmlns:ma14="http://schemas.microsoft.com/office/mac/drawingml/2011/main" xmlns="" val="1"/>
+                <ma14:wrappingTextBoxFlag xmlns="" xmlns:ma14="http://schemas.microsoft.com/office/mac/drawingml/2011/main" val="1"/>
               </a:ext>
             </a:extLst>
           </p:spPr>
@@ -14734,7 +14615,7 @@
             </a:ln>
             <a:extLst>
               <a:ext uri="{C572A759-6A51-4108-AA02-DFA0A04FC94B}">
-                <ma14:wrappingTextBoxFlag xmlns:ma14="http://schemas.microsoft.com/office/mac/drawingml/2011/main" xmlns="" val="1"/>
+                <ma14:wrappingTextBoxFlag xmlns="" xmlns:ma14="http://schemas.microsoft.com/office/mac/drawingml/2011/main" val="1"/>
               </a:ext>
             </a:extLst>
           </p:spPr>
@@ -15010,7 +14891,7 @@
             </a:ln>
             <a:extLst>
               <a:ext uri="{C572A759-6A51-4108-AA02-DFA0A04FC94B}">
-                <ma14:wrappingTextBoxFlag xmlns:ma14="http://schemas.microsoft.com/office/mac/drawingml/2011/main" xmlns="" val="1"/>
+                <ma14:wrappingTextBoxFlag xmlns="" xmlns:ma14="http://schemas.microsoft.com/office/mac/drawingml/2011/main" val="1"/>
               </a:ext>
             </a:extLst>
           </p:spPr>
@@ -15058,7 +14939,7 @@
             </a:ln>
             <a:extLst>
               <a:ext uri="{C572A759-6A51-4108-AA02-DFA0A04FC94B}">
-                <ma14:wrappingTextBoxFlag xmlns:ma14="http://schemas.microsoft.com/office/mac/drawingml/2011/main" xmlns="" val="1"/>
+                <ma14:wrappingTextBoxFlag xmlns="" xmlns:ma14="http://schemas.microsoft.com/office/mac/drawingml/2011/main" val="1"/>
               </a:ext>
             </a:extLst>
           </p:spPr>
@@ -15186,7 +15067,7 @@
             </a:ln>
             <a:extLst>
               <a:ext uri="{C572A759-6A51-4108-AA02-DFA0A04FC94B}">
-                <ma14:wrappingTextBoxFlag xmlns:ma14="http://schemas.microsoft.com/office/mac/drawingml/2011/main" xmlns="" val="1"/>
+                <ma14:wrappingTextBoxFlag xmlns="" xmlns:ma14="http://schemas.microsoft.com/office/mac/drawingml/2011/main" val="1"/>
               </a:ext>
             </a:extLst>
           </p:spPr>
@@ -15324,7 +15205,7 @@
             </a:ln>
             <a:extLst>
               <a:ext uri="{C572A759-6A51-4108-AA02-DFA0A04FC94B}">
-                <ma14:wrappingTextBoxFlag xmlns:ma14="http://schemas.microsoft.com/office/mac/drawingml/2011/main" xmlns="" val="1"/>
+                <ma14:wrappingTextBoxFlag xmlns="" xmlns:ma14="http://schemas.microsoft.com/office/mac/drawingml/2011/main" val="1"/>
               </a:ext>
             </a:extLst>
           </p:spPr>
@@ -15424,7 +15305,7 @@
             </a:ln>
             <a:extLst>
               <a:ext uri="{C572A759-6A51-4108-AA02-DFA0A04FC94B}">
-                <ma14:wrappingTextBoxFlag xmlns:ma14="http://schemas.microsoft.com/office/mac/drawingml/2011/main" xmlns="" val="1"/>
+                <ma14:wrappingTextBoxFlag xmlns="" xmlns:ma14="http://schemas.microsoft.com/office/mac/drawingml/2011/main" val="1"/>
               </a:ext>
             </a:extLst>
           </p:spPr>
@@ -15484,7 +15365,7 @@
             </a:ln>
             <a:extLst>
               <a:ext uri="{C572A759-6A51-4108-AA02-DFA0A04FC94B}">
-                <ma14:wrappingTextBoxFlag xmlns:ma14="http://schemas.microsoft.com/office/mac/drawingml/2011/main" xmlns="" val="1"/>
+                <ma14:wrappingTextBoxFlag xmlns="" xmlns:ma14="http://schemas.microsoft.com/office/mac/drawingml/2011/main" val="1"/>
               </a:ext>
             </a:extLst>
           </p:spPr>
@@ -15605,7 +15486,7 @@
           </a:ln>
           <a:extLst>
             <a:ext uri="{C572A759-6A51-4108-AA02-DFA0A04FC94B}">
-              <ma14:wrappingTextBoxFlag xmlns:ma14="http://schemas.microsoft.com/office/mac/drawingml/2011/main" xmlns="" val="1"/>
+              <ma14:wrappingTextBoxFlag xmlns="" xmlns:ma14="http://schemas.microsoft.com/office/mac/drawingml/2011/main" val="1"/>
             </a:ext>
           </a:extLst>
         </p:spPr>
@@ -15724,7 +15605,7 @@
             </a:ln>
             <a:extLst>
               <a:ext uri="{C572A759-6A51-4108-AA02-DFA0A04FC94B}">
-                <ma14:wrappingTextBoxFlag xmlns:ma14="http://schemas.microsoft.com/office/mac/drawingml/2011/main" xmlns="" val="1"/>
+                <ma14:wrappingTextBoxFlag xmlns="" xmlns:ma14="http://schemas.microsoft.com/office/mac/drawingml/2011/main" val="1"/>
               </a:ext>
             </a:extLst>
           </p:spPr>
@@ -15811,7 +15692,7 @@
             </a:ln>
             <a:extLst>
               <a:ext uri="{C572A759-6A51-4108-AA02-DFA0A04FC94B}">
-                <ma14:wrappingTextBoxFlag xmlns:ma14="http://schemas.microsoft.com/office/mac/drawingml/2011/main" xmlns="" val="1"/>
+                <ma14:wrappingTextBoxFlag xmlns="" xmlns:ma14="http://schemas.microsoft.com/office/mac/drawingml/2011/main" val="1"/>
               </a:ext>
             </a:extLst>
           </p:spPr>
@@ -15858,7 +15739,7 @@
             </a:ln>
             <a:extLst>
               <a:ext uri="{C572A759-6A51-4108-AA02-DFA0A04FC94B}">
-                <ma14:wrappingTextBoxFlag xmlns:ma14="http://schemas.microsoft.com/office/mac/drawingml/2011/main" xmlns="" val="1"/>
+                <ma14:wrappingTextBoxFlag xmlns="" xmlns:ma14="http://schemas.microsoft.com/office/mac/drawingml/2011/main" val="1"/>
               </a:ext>
             </a:extLst>
           </p:spPr>
@@ -16010,7 +15891,7 @@
             </a:ln>
             <a:extLst>
               <a:ext uri="{C572A759-6A51-4108-AA02-DFA0A04FC94B}">
-                <ma14:wrappingTextBoxFlag xmlns:ma14="http://schemas.microsoft.com/office/mac/drawingml/2011/main" xmlns="" val="1"/>
+                <ma14:wrappingTextBoxFlag xmlns="" xmlns:ma14="http://schemas.microsoft.com/office/mac/drawingml/2011/main" val="1"/>
               </a:ext>
             </a:extLst>
           </p:spPr>
